--- a/nback-practise/nback_task_instruction.pptx
+++ b/nback-practise/nback_task_instruction.pptx
@@ -5,26 +5,27 @@
     <p:sldMasterId id="2147483648" r:id="rId1"/>
   </p:sldMasterIdLst>
   <p:notesMasterIdLst>
-    <p:notesMasterId r:id="rId16"/>
+    <p:notesMasterId r:id="rId17"/>
   </p:notesMasterIdLst>
   <p:handoutMasterIdLst>
-    <p:handoutMasterId r:id="rId17"/>
+    <p:handoutMasterId r:id="rId18"/>
   </p:handoutMasterIdLst>
   <p:sldIdLst>
-    <p:sldId id="462" r:id="rId2"/>
-    <p:sldId id="633" r:id="rId3"/>
-    <p:sldId id="638" r:id="rId4"/>
-    <p:sldId id="479" r:id="rId5"/>
-    <p:sldId id="631" r:id="rId6"/>
-    <p:sldId id="632" r:id="rId7"/>
-    <p:sldId id="634" r:id="rId8"/>
-    <p:sldId id="639" r:id="rId9"/>
-    <p:sldId id="635" r:id="rId10"/>
-    <p:sldId id="636" r:id="rId11"/>
-    <p:sldId id="637" r:id="rId12"/>
-    <p:sldId id="474" r:id="rId13"/>
-    <p:sldId id="618" r:id="rId14"/>
-    <p:sldId id="605" r:id="rId15"/>
+    <p:sldId id="640" r:id="rId2"/>
+    <p:sldId id="462" r:id="rId3"/>
+    <p:sldId id="633" r:id="rId4"/>
+    <p:sldId id="638" r:id="rId5"/>
+    <p:sldId id="479" r:id="rId6"/>
+    <p:sldId id="631" r:id="rId7"/>
+    <p:sldId id="632" r:id="rId8"/>
+    <p:sldId id="634" r:id="rId9"/>
+    <p:sldId id="639" r:id="rId10"/>
+    <p:sldId id="635" r:id="rId11"/>
+    <p:sldId id="636" r:id="rId12"/>
+    <p:sldId id="637" r:id="rId13"/>
+    <p:sldId id="474" r:id="rId14"/>
+    <p:sldId id="618" r:id="rId15"/>
+    <p:sldId id="605" r:id="rId16"/>
   </p:sldIdLst>
   <p:sldSz cx="12192000" cy="6858000"/>
   <p:notesSz cx="6858000" cy="9144000"/>
@@ -261,7 +262,7 @@
           <a:p>
             <a:fld id="{BD82A94B-8595-419C-BF57-D51AB33609D1}" type="datetimeFigureOut">
               <a:rPr lang="en-US" smtClean="0"/>
-              <a:t>2/26/2024</a:t>
+              <a:t>3/4/2024</a:t>
             </a:fld>
             <a:endParaRPr lang="en-US" dirty="0"/>
           </a:p>
@@ -438,7 +439,7 @@
           <a:p>
             <a:fld id="{652BB16F-2169-4A0F-818F-214041E36035}" type="datetimeFigureOut">
               <a:rPr lang="en-GB" smtClean="0"/>
-              <a:t>26/02/2024</a:t>
+              <a:t>04/03/2024</a:t>
             </a:fld>
             <a:endParaRPr lang="en-GB" dirty="0"/>
           </a:p>
@@ -784,7 +785,7 @@
     </p:spTree>
     <p:extLst>
       <p:ext uri="{BB962C8B-B14F-4D97-AF65-F5344CB8AC3E}">
-        <p14:creationId xmlns:p14="http://schemas.microsoft.com/office/powerpoint/2010/main" val="2318195962"/>
+        <p14:creationId xmlns:p14="http://schemas.microsoft.com/office/powerpoint/2010/main" val="215418278"/>
       </p:ext>
     </p:extLst>
   </p:cSld>
@@ -872,7 +873,7 @@
     </p:spTree>
     <p:extLst>
       <p:ext uri="{BB962C8B-B14F-4D97-AF65-F5344CB8AC3E}">
-        <p14:creationId xmlns:p14="http://schemas.microsoft.com/office/powerpoint/2010/main" val="4026056606"/>
+        <p14:creationId xmlns:p14="http://schemas.microsoft.com/office/powerpoint/2010/main" val="802671079"/>
       </p:ext>
     </p:extLst>
   </p:cSld>
@@ -960,7 +961,7 @@
     </p:spTree>
     <p:extLst>
       <p:ext uri="{BB962C8B-B14F-4D97-AF65-F5344CB8AC3E}">
-        <p14:creationId xmlns:p14="http://schemas.microsoft.com/office/powerpoint/2010/main" val="530876909"/>
+        <p14:creationId xmlns:p14="http://schemas.microsoft.com/office/powerpoint/2010/main" val="4026056606"/>
       </p:ext>
     </p:extLst>
   </p:cSld>
@@ -1014,6 +1015,10 @@
           <a:bodyPr/>
           <a:lstStyle/>
           <a:p>
+            <a:r>
+              <a:rPr lang="en-US" altLang="zh-HK" dirty="0"/>
+              <a:t>S1 onset</a:t>
+            </a:r>
             <a:endParaRPr lang="zh-HK" altLang="en-US" dirty="0"/>
           </a:p>
         </p:txBody>
@@ -1025,7 +1030,7 @@
             <a:spLocks noGrp="1"/>
           </p:cNvSpPr>
           <p:nvPr>
-            <p:ph type="sldNum" sz="quarter" idx="10"/>
+            <p:ph type="sldNum" sz="quarter" idx="5"/>
           </p:nvPr>
         </p:nvSpPr>
         <p:spPr/>
@@ -1033,9 +1038,93 @@
           <a:bodyPr/>
           <a:lstStyle/>
           <a:p>
+            <a:fld id="{EFB1C814-5629-4CB9-A579-94B764A1EBE2}" type="slidenum">
+              <a:rPr lang="zh-HK" altLang="en-US" smtClean="0"/>
+              <a:t>12</a:t>
+            </a:fld>
+            <a:endParaRPr lang="zh-HK" altLang="en-US"/>
+          </a:p>
+        </p:txBody>
+      </p:sp>
+    </p:spTree>
+    <p:extLst>
+      <p:ext uri="{BB962C8B-B14F-4D97-AF65-F5344CB8AC3E}">
+        <p14:creationId xmlns:p14="http://schemas.microsoft.com/office/powerpoint/2010/main" val="530876909"/>
+      </p:ext>
+    </p:extLst>
+  </p:cSld>
+  <p:clrMapOvr>
+    <a:masterClrMapping/>
+  </p:clrMapOvr>
+</p:notes>
+</file>
+
+<file path=ppt/notesSlides/notesSlide13.xml><?xml version="1.0" encoding="utf-8"?>
+<p:notes xmlns:a="http://schemas.openxmlformats.org/drawingml/2006/main" xmlns:r="http://schemas.openxmlformats.org/officeDocument/2006/relationships" xmlns:p="http://schemas.openxmlformats.org/presentationml/2006/main">
+  <p:cSld>
+    <p:spTree>
+      <p:nvGrpSpPr>
+        <p:cNvPr id="1" name=""/>
+        <p:cNvGrpSpPr/>
+        <p:nvPr/>
+      </p:nvGrpSpPr>
+      <p:grpSpPr>
+        <a:xfrm>
+          <a:off x="0" y="0"/>
+          <a:ext cx="0" cy="0"/>
+          <a:chOff x="0" y="0"/>
+          <a:chExt cx="0" cy="0"/>
+        </a:xfrm>
+      </p:grpSpPr>
+      <p:sp>
+        <p:nvSpPr>
+          <p:cNvPr id="2" name="Slide Image Placeholder 1"/>
+          <p:cNvSpPr>
+            <a:spLocks noGrp="1" noRot="1" noChangeAspect="1"/>
+          </p:cNvSpPr>
+          <p:nvPr>
+            <p:ph type="sldImg"/>
+          </p:nvPr>
+        </p:nvSpPr>
+        <p:spPr/>
+      </p:sp>
+      <p:sp>
+        <p:nvSpPr>
+          <p:cNvPr id="3" name="Notes Placeholder 2"/>
+          <p:cNvSpPr>
+            <a:spLocks noGrp="1"/>
+          </p:cNvSpPr>
+          <p:nvPr>
+            <p:ph type="body" idx="1"/>
+          </p:nvPr>
+        </p:nvSpPr>
+        <p:spPr/>
+        <p:txBody>
+          <a:bodyPr/>
+          <a:lstStyle/>
+          <a:p>
+            <a:endParaRPr lang="zh-HK" altLang="en-US" dirty="0"/>
+          </a:p>
+        </p:txBody>
+      </p:sp>
+      <p:sp>
+        <p:nvSpPr>
+          <p:cNvPr id="4" name="Slide Number Placeholder 3"/>
+          <p:cNvSpPr>
+            <a:spLocks noGrp="1"/>
+          </p:cNvSpPr>
+          <p:nvPr>
+            <p:ph type="sldNum" sz="quarter" idx="10"/>
+          </p:nvPr>
+        </p:nvSpPr>
+        <p:spPr/>
+        <p:txBody>
+          <a:bodyPr/>
+          <a:lstStyle/>
+          <a:p>
             <a:fld id="{85522B51-E2AB-4BF4-A91F-416D8CC31592}" type="slidenum">
               <a:rPr lang="en-GB" smtClean="0"/>
-              <a:t>12</a:t>
+              <a:t>13</a:t>
             </a:fld>
             <a:endParaRPr lang="en-GB" dirty="0"/>
           </a:p>
@@ -1099,8 +1188,16 @@
           <a:lstStyle/>
           <a:p>
             <a:r>
-              <a:rPr lang="en-US" altLang="zh-HK" dirty="0"/>
-              <a:t>S1 onset</a:t>
+              <a:rPr lang="zh-CN" altLang="en-US" dirty="0"/>
+              <a:t>認圖片</a:t>
+            </a:r>
+            <a:r>
+              <a:rPr lang="en-US" altLang="zh-CN" dirty="0"/>
+              <a:t> / </a:t>
+            </a:r>
+            <a:r>
+              <a:rPr lang="zh-CN" altLang="en-US"/>
+              <a:t>實驗</a:t>
             </a:r>
             <a:endParaRPr lang="zh-HK" altLang="en-US" dirty="0"/>
           </a:p>
@@ -1132,7 +1229,7 @@
     </p:spTree>
     <p:extLst>
       <p:ext uri="{BB962C8B-B14F-4D97-AF65-F5344CB8AC3E}">
-        <p14:creationId xmlns:p14="http://schemas.microsoft.com/office/powerpoint/2010/main" val="3952613181"/>
+        <p14:creationId xmlns:p14="http://schemas.microsoft.com/office/powerpoint/2010/main" val="2318195962"/>
       </p:ext>
     </p:extLst>
   </p:cSld>
@@ -1220,7 +1317,7 @@
     </p:spTree>
     <p:extLst>
       <p:ext uri="{BB962C8B-B14F-4D97-AF65-F5344CB8AC3E}">
-        <p14:creationId xmlns:p14="http://schemas.microsoft.com/office/powerpoint/2010/main" val="4020147855"/>
+        <p14:creationId xmlns:p14="http://schemas.microsoft.com/office/powerpoint/2010/main" val="3952613181"/>
       </p:ext>
     </p:extLst>
   </p:cSld>
@@ -1308,7 +1405,7 @@
     </p:spTree>
     <p:extLst>
       <p:ext uri="{BB962C8B-B14F-4D97-AF65-F5344CB8AC3E}">
-        <p14:creationId xmlns:p14="http://schemas.microsoft.com/office/powerpoint/2010/main" val="1495966499"/>
+        <p14:creationId xmlns:p14="http://schemas.microsoft.com/office/powerpoint/2010/main" val="4020147855"/>
       </p:ext>
     </p:extLst>
   </p:cSld>
@@ -1396,7 +1493,7 @@
     </p:spTree>
     <p:extLst>
       <p:ext uri="{BB962C8B-B14F-4D97-AF65-F5344CB8AC3E}">
-        <p14:creationId xmlns:p14="http://schemas.microsoft.com/office/powerpoint/2010/main" val="1756373982"/>
+        <p14:creationId xmlns:p14="http://schemas.microsoft.com/office/powerpoint/2010/main" val="1495966499"/>
       </p:ext>
     </p:extLst>
   </p:cSld>
@@ -1484,7 +1581,7 @@
     </p:spTree>
     <p:extLst>
       <p:ext uri="{BB962C8B-B14F-4D97-AF65-F5344CB8AC3E}">
-        <p14:creationId xmlns:p14="http://schemas.microsoft.com/office/powerpoint/2010/main" val="57024265"/>
+        <p14:creationId xmlns:p14="http://schemas.microsoft.com/office/powerpoint/2010/main" val="1756373982"/>
       </p:ext>
     </p:extLst>
   </p:cSld>
@@ -1572,7 +1669,7 @@
     </p:spTree>
     <p:extLst>
       <p:ext uri="{BB962C8B-B14F-4D97-AF65-F5344CB8AC3E}">
-        <p14:creationId xmlns:p14="http://schemas.microsoft.com/office/powerpoint/2010/main" val="701147385"/>
+        <p14:creationId xmlns:p14="http://schemas.microsoft.com/office/powerpoint/2010/main" val="57024265"/>
       </p:ext>
     </p:extLst>
   </p:cSld>
@@ -1660,7 +1757,7 @@
     </p:spTree>
     <p:extLst>
       <p:ext uri="{BB962C8B-B14F-4D97-AF65-F5344CB8AC3E}">
-        <p14:creationId xmlns:p14="http://schemas.microsoft.com/office/powerpoint/2010/main" val="3694924354"/>
+        <p14:creationId xmlns:p14="http://schemas.microsoft.com/office/powerpoint/2010/main" val="701147385"/>
       </p:ext>
     </p:extLst>
   </p:cSld>
@@ -1748,7 +1845,7 @@
     </p:spTree>
     <p:extLst>
       <p:ext uri="{BB962C8B-B14F-4D97-AF65-F5344CB8AC3E}">
-        <p14:creationId xmlns:p14="http://schemas.microsoft.com/office/powerpoint/2010/main" val="802671079"/>
+        <p14:creationId xmlns:p14="http://schemas.microsoft.com/office/powerpoint/2010/main" val="3694924354"/>
       </p:ext>
     </p:extLst>
   </p:cSld>
@@ -1897,7 +1994,7 @@
           <a:p>
             <a:fld id="{724A9933-0BD2-45EA-8819-99110733ED14}" type="datetimeFigureOut">
               <a:rPr lang="en-GB" smtClean="0"/>
-              <a:t>26/02/2024</a:t>
+              <a:t>04/03/2024</a:t>
             </a:fld>
             <a:endParaRPr lang="en-GB" dirty="0"/>
           </a:p>
@@ -2067,7 +2164,7 @@
           <a:p>
             <a:fld id="{724A9933-0BD2-45EA-8819-99110733ED14}" type="datetimeFigureOut">
               <a:rPr lang="en-GB" smtClean="0"/>
-              <a:t>26/02/2024</a:t>
+              <a:t>04/03/2024</a:t>
             </a:fld>
             <a:endParaRPr lang="en-GB" dirty="0"/>
           </a:p>
@@ -2247,7 +2344,7 @@
           <a:p>
             <a:fld id="{724A9933-0BD2-45EA-8819-99110733ED14}" type="datetimeFigureOut">
               <a:rPr lang="en-GB" smtClean="0"/>
-              <a:t>26/02/2024</a:t>
+              <a:t>04/03/2024</a:t>
             </a:fld>
             <a:endParaRPr lang="en-GB" dirty="0"/>
           </a:p>
@@ -2461,7 +2558,7 @@
           <a:p>
             <a:fld id="{724A9933-0BD2-45EA-8819-99110733ED14}" type="datetimeFigureOut">
               <a:rPr lang="en-GB" smtClean="0"/>
-              <a:t>26/02/2024</a:t>
+              <a:t>04/03/2024</a:t>
             </a:fld>
             <a:endParaRPr lang="en-GB" dirty="0"/>
           </a:p>
@@ -2707,7 +2804,7 @@
           <a:p>
             <a:fld id="{724A9933-0BD2-45EA-8819-99110733ED14}" type="datetimeFigureOut">
               <a:rPr lang="en-GB" smtClean="0"/>
-              <a:t>26/02/2024</a:t>
+              <a:t>04/03/2024</a:t>
             </a:fld>
             <a:endParaRPr lang="en-GB" dirty="0"/>
           </a:p>
@@ -2939,7 +3036,7 @@
           <a:p>
             <a:fld id="{724A9933-0BD2-45EA-8819-99110733ED14}" type="datetimeFigureOut">
               <a:rPr lang="en-GB" smtClean="0"/>
-              <a:t>26/02/2024</a:t>
+              <a:t>04/03/2024</a:t>
             </a:fld>
             <a:endParaRPr lang="en-GB" dirty="0"/>
           </a:p>
@@ -3306,7 +3403,7 @@
           <a:p>
             <a:fld id="{724A9933-0BD2-45EA-8819-99110733ED14}" type="datetimeFigureOut">
               <a:rPr lang="en-GB" smtClean="0"/>
-              <a:t>26/02/2024</a:t>
+              <a:t>04/03/2024</a:t>
             </a:fld>
             <a:endParaRPr lang="en-GB" dirty="0"/>
           </a:p>
@@ -3424,7 +3521,7 @@
           <a:p>
             <a:fld id="{724A9933-0BD2-45EA-8819-99110733ED14}" type="datetimeFigureOut">
               <a:rPr lang="en-GB" smtClean="0"/>
-              <a:t>26/02/2024</a:t>
+              <a:t>04/03/2024</a:t>
             </a:fld>
             <a:endParaRPr lang="en-GB" dirty="0"/>
           </a:p>
@@ -3519,7 +3616,7 @@
           <a:p>
             <a:fld id="{724A9933-0BD2-45EA-8819-99110733ED14}" type="datetimeFigureOut">
               <a:rPr lang="en-GB" smtClean="0"/>
-              <a:t>26/02/2024</a:t>
+              <a:t>04/03/2024</a:t>
             </a:fld>
             <a:endParaRPr lang="en-GB" dirty="0"/>
           </a:p>
@@ -3796,7 +3893,7 @@
           <a:p>
             <a:fld id="{724A9933-0BD2-45EA-8819-99110733ED14}" type="datetimeFigureOut">
               <a:rPr lang="en-GB" smtClean="0"/>
-              <a:t>26/02/2024</a:t>
+              <a:t>04/03/2024</a:t>
             </a:fld>
             <a:endParaRPr lang="en-GB" dirty="0"/>
           </a:p>
@@ -4049,7 +4146,7 @@
           <a:p>
             <a:fld id="{724A9933-0BD2-45EA-8819-99110733ED14}" type="datetimeFigureOut">
               <a:rPr lang="en-GB" smtClean="0"/>
-              <a:t>26/02/2024</a:t>
+              <a:t>04/03/2024</a:t>
             </a:fld>
             <a:endParaRPr lang="en-GB" dirty="0"/>
           </a:p>
@@ -4265,7 +4362,7 @@
           <a:p>
             <a:fld id="{724A9933-0BD2-45EA-8819-99110733ED14}" type="datetimeFigureOut">
               <a:rPr lang="en-GB" smtClean="0"/>
-              <a:t>26/02/2024</a:t>
+              <a:t>04/03/2024</a:t>
             </a:fld>
             <a:endParaRPr lang="en-GB" dirty="0"/>
           </a:p>
@@ -4675,7 +4772,7 @@
           <p:cNvPr id="3" name="TextBox 2">
             <a:extLst>
               <a:ext uri="{FF2B5EF4-FFF2-40B4-BE49-F238E27FC236}">
-                <a16:creationId xmlns:a16="http://schemas.microsoft.com/office/drawing/2014/main" id="{35E13D1B-4370-4BFA-8773-A095B4EDA466}"/>
+                <a16:creationId xmlns:a16="http://schemas.microsoft.com/office/drawing/2014/main" id="{C3F57486-C076-49BC-AA6A-48214B7E0F67}"/>
               </a:ext>
             </a:extLst>
           </p:cNvPr>
@@ -4684,7 +4781,7 @@
         </p:nvSpPr>
         <p:spPr>
           <a:xfrm>
-            <a:off x="2972707" y="1161144"/>
+            <a:off x="2972707" y="2598003"/>
             <a:ext cx="6246586" cy="830997"/>
           </a:xfrm>
           <a:prstGeom prst="rect">
@@ -4700,16 +4797,16 @@
           <a:p>
             <a:pPr algn="ctr"/>
             <a:r>
-              <a:rPr lang="zh-CN" altLang="en-US" sz="4800" b="1" u="sng" dirty="0">
+              <a:rPr lang="zh-CN" altLang="en-US" sz="4800" dirty="0">
                 <a:solidFill>
                   <a:schemeClr val="bg1"/>
                 </a:solidFill>
                 <a:latin typeface="Arial" panose="020B0604020202020204" pitchFamily="34" charset="0"/>
                 <a:cs typeface="Arial" panose="020B0604020202020204" pitchFamily="34" charset="0"/>
               </a:rPr>
-              <a:t>實驗指示</a:t>
-            </a:r>
-            <a:endParaRPr lang="zh-HK" altLang="en-US" sz="4800" b="1" dirty="0">
+              <a:t>圖片實驗</a:t>
+            </a:r>
+            <a:endParaRPr lang="en-HK" altLang="zh-CN" sz="4800" dirty="0">
               <a:solidFill>
                 <a:schemeClr val="bg1"/>
               </a:solidFill>
@@ -4719,160 +4816,10 @@
           </a:p>
         </p:txBody>
       </p:sp>
-      <p:sp>
-        <p:nvSpPr>
-          <p:cNvPr id="4" name="TextBox 3">
-            <a:extLst>
-              <a:ext uri="{FF2B5EF4-FFF2-40B4-BE49-F238E27FC236}">
-                <a16:creationId xmlns:a16="http://schemas.microsoft.com/office/drawing/2014/main" id="{B3AAC440-C784-4535-88F4-DDA0E3B95E83}"/>
-              </a:ext>
-            </a:extLst>
-          </p:cNvPr>
-          <p:cNvSpPr txBox="1"/>
-          <p:nvPr/>
-        </p:nvSpPr>
-        <p:spPr>
-          <a:xfrm>
-            <a:off x="604837" y="2622425"/>
-            <a:ext cx="10982325" cy="584775"/>
-          </a:xfrm>
-          <a:prstGeom prst="rect">
-            <a:avLst/>
-          </a:prstGeom>
-          <a:noFill/>
-        </p:spPr>
-        <p:txBody>
-          <a:bodyPr wrap="square" rtlCol="0">
-            <a:spAutoFit/>
-          </a:bodyPr>
-          <a:lstStyle/>
-          <a:p>
-            <a:pPr algn="ctr">
-              <a:spcBef>
-                <a:spcPts val="1800"/>
-              </a:spcBef>
-            </a:pPr>
-            <a:r>
-              <a:rPr lang="zh-CN" altLang="en-US" sz="3200" dirty="0">
-                <a:solidFill>
-                  <a:schemeClr val="bg1"/>
-                </a:solidFill>
-              </a:rPr>
-              <a:t>在實驗中，你將會看到兩組指示</a:t>
-            </a:r>
-            <a:endParaRPr lang="en-US" altLang="zh-HK" sz="3200" b="1" dirty="0">
-              <a:solidFill>
-                <a:schemeClr val="accent4">
-                  <a:lumMod val="60000"/>
-                  <a:lumOff val="40000"/>
-                </a:schemeClr>
-              </a:solidFill>
-            </a:endParaRPr>
-          </a:p>
-        </p:txBody>
-      </p:sp>
-      <p:sp>
-        <p:nvSpPr>
-          <p:cNvPr id="5" name="TextBox 4">
-            <a:extLst>
-              <a:ext uri="{FF2B5EF4-FFF2-40B4-BE49-F238E27FC236}">
-                <a16:creationId xmlns:a16="http://schemas.microsoft.com/office/drawing/2014/main" id="{A633C739-BFEC-4132-95AA-F3BA2C0C958B}"/>
-              </a:ext>
-            </a:extLst>
-          </p:cNvPr>
-          <p:cNvSpPr txBox="1"/>
-          <p:nvPr/>
-        </p:nvSpPr>
-        <p:spPr>
-          <a:xfrm>
-            <a:off x="1708313" y="3973170"/>
-            <a:ext cx="3610138" cy="584775"/>
-          </a:xfrm>
-          <a:prstGeom prst="rect">
-            <a:avLst/>
-          </a:prstGeom>
-          <a:noFill/>
-        </p:spPr>
-        <p:txBody>
-          <a:bodyPr wrap="square" rtlCol="0">
-            <a:spAutoFit/>
-          </a:bodyPr>
-          <a:lstStyle/>
-          <a:p>
-            <a:pPr algn="ctr">
-              <a:spcBef>
-                <a:spcPts val="1800"/>
-              </a:spcBef>
-            </a:pPr>
-            <a:r>
-              <a:rPr lang="zh-CN" altLang="en-US" sz="3200" dirty="0">
-                <a:solidFill>
-                  <a:schemeClr val="bg1"/>
-                </a:solidFill>
-              </a:rPr>
-              <a:t>兩項之前</a:t>
-            </a:r>
-            <a:endParaRPr lang="en-HK" altLang="zh-CN" sz="3200" dirty="0">
-              <a:solidFill>
-                <a:schemeClr val="bg1"/>
-              </a:solidFill>
-            </a:endParaRPr>
-          </a:p>
-        </p:txBody>
-      </p:sp>
-      <p:sp>
-        <p:nvSpPr>
-          <p:cNvPr id="7" name="TextBox 6">
-            <a:extLst>
-              <a:ext uri="{FF2B5EF4-FFF2-40B4-BE49-F238E27FC236}">
-                <a16:creationId xmlns:a16="http://schemas.microsoft.com/office/drawing/2014/main" id="{7D486842-673C-4A30-9F4F-1B56A557976E}"/>
-              </a:ext>
-            </a:extLst>
-          </p:cNvPr>
-          <p:cNvSpPr txBox="1"/>
-          <p:nvPr/>
-        </p:nvSpPr>
-        <p:spPr>
-          <a:xfrm>
-            <a:off x="6873549" y="3912234"/>
-            <a:ext cx="3610138" cy="584775"/>
-          </a:xfrm>
-          <a:prstGeom prst="rect">
-            <a:avLst/>
-          </a:prstGeom>
-          <a:noFill/>
-        </p:spPr>
-        <p:txBody>
-          <a:bodyPr wrap="square" rtlCol="0">
-            <a:spAutoFit/>
-          </a:bodyPr>
-          <a:lstStyle/>
-          <a:p>
-            <a:pPr algn="ctr">
-              <a:spcBef>
-                <a:spcPts val="1800"/>
-              </a:spcBef>
-            </a:pPr>
-            <a:r>
-              <a:rPr lang="zh-CN" altLang="en-US" sz="3200" dirty="0">
-                <a:solidFill>
-                  <a:schemeClr val="bg1"/>
-                </a:solidFill>
-              </a:rPr>
-              <a:t>目標</a:t>
-            </a:r>
-            <a:endParaRPr lang="en-HK" altLang="zh-CN" sz="3200" dirty="0">
-              <a:solidFill>
-                <a:schemeClr val="bg1"/>
-              </a:solidFill>
-            </a:endParaRPr>
-          </a:p>
-        </p:txBody>
-      </p:sp>
     </p:spTree>
     <p:extLst>
       <p:ext uri="{BB962C8B-B14F-4D97-AF65-F5344CB8AC3E}">
-        <p14:creationId xmlns:p14="http://schemas.microsoft.com/office/powerpoint/2010/main" val="3975757517"/>
+        <p14:creationId xmlns:p14="http://schemas.microsoft.com/office/powerpoint/2010/main" val="1171539625"/>
       </p:ext>
     </p:extLst>
   </p:cSld>
@@ -4883,6 +4830,66 @@
 </file>
 
 <file path=ppt/slides/slide10.xml><?xml version="1.0" encoding="utf-8"?>
+<p:sld xmlns:a="http://schemas.openxmlformats.org/drawingml/2006/main" xmlns:r="http://schemas.openxmlformats.org/officeDocument/2006/relationships" xmlns:p="http://schemas.openxmlformats.org/presentationml/2006/main">
+  <p:cSld>
+    <p:spTree>
+      <p:nvGrpSpPr>
+        <p:cNvPr id="1" name=""/>
+        <p:cNvGrpSpPr/>
+        <p:nvPr/>
+      </p:nvGrpSpPr>
+      <p:grpSpPr>
+        <a:xfrm>
+          <a:off x="0" y="0"/>
+          <a:ext cx="0" cy="0"/>
+          <a:chOff x="0" y="0"/>
+          <a:chExt cx="0" cy="0"/>
+        </a:xfrm>
+      </p:grpSpPr>
+      <p:pic>
+        <p:nvPicPr>
+          <p:cNvPr id="3" name="Picture 2">
+            <a:extLst>
+              <a:ext uri="{FF2B5EF4-FFF2-40B4-BE49-F238E27FC236}">
+                <a16:creationId xmlns:a16="http://schemas.microsoft.com/office/drawing/2014/main" id="{6C44C846-B78A-421C-96F2-BECBF513CB90}"/>
+              </a:ext>
+            </a:extLst>
+          </p:cNvPr>
+          <p:cNvPicPr>
+            <a:picLocks noChangeAspect="1"/>
+          </p:cNvPicPr>
+          <p:nvPr/>
+        </p:nvPicPr>
+        <p:blipFill>
+          <a:blip r:embed="rId3"/>
+          <a:stretch>
+            <a:fillRect/>
+          </a:stretch>
+        </p:blipFill>
+        <p:spPr>
+          <a:xfrm>
+            <a:off x="609600" y="0"/>
+            <a:ext cx="10972800" cy="6858000"/>
+          </a:xfrm>
+          <a:prstGeom prst="rect">
+            <a:avLst/>
+          </a:prstGeom>
+        </p:spPr>
+      </p:pic>
+    </p:spTree>
+    <p:extLst>
+      <p:ext uri="{BB962C8B-B14F-4D97-AF65-F5344CB8AC3E}">
+        <p14:creationId xmlns:p14="http://schemas.microsoft.com/office/powerpoint/2010/main" val="3488365099"/>
+      </p:ext>
+    </p:extLst>
+  </p:cSld>
+  <p:clrMapOvr>
+    <a:masterClrMapping/>
+  </p:clrMapOvr>
+</p:sld>
+</file>
+
+<file path=ppt/slides/slide11.xml><?xml version="1.0" encoding="utf-8"?>
 <p:sld xmlns:a="http://schemas.openxmlformats.org/drawingml/2006/main" xmlns:r="http://schemas.openxmlformats.org/officeDocument/2006/relationships" xmlns:p="http://schemas.openxmlformats.org/presentationml/2006/main">
   <p:cSld>
     <p:spTree>
@@ -4942,7 +4949,7 @@
 </p:sld>
 </file>
 
-<file path=ppt/slides/slide11.xml><?xml version="1.0" encoding="utf-8"?>
+<file path=ppt/slides/slide12.xml><?xml version="1.0" encoding="utf-8"?>
 <p:sld xmlns:a="http://schemas.openxmlformats.org/drawingml/2006/main" xmlns:r="http://schemas.openxmlformats.org/officeDocument/2006/relationships" xmlns:p="http://schemas.openxmlformats.org/presentationml/2006/main">
   <p:cSld>
     <p:spTree>
@@ -5002,77 +5009,6 @@
 </p:sld>
 </file>
 
-<file path=ppt/slides/slide12.xml><?xml version="1.0" encoding="utf-8"?>
-<p:sld xmlns:a="http://schemas.openxmlformats.org/drawingml/2006/main" xmlns:r="http://schemas.openxmlformats.org/officeDocument/2006/relationships" xmlns:p="http://schemas.openxmlformats.org/presentationml/2006/main">
-  <p:cSld>
-    <p:spTree>
-      <p:nvGrpSpPr>
-        <p:cNvPr id="1" name=""/>
-        <p:cNvGrpSpPr/>
-        <p:nvPr/>
-      </p:nvGrpSpPr>
-      <p:grpSpPr>
-        <a:xfrm>
-          <a:off x="0" y="0"/>
-          <a:ext cx="0" cy="0"/>
-          <a:chOff x="0" y="0"/>
-          <a:chExt cx="0" cy="0"/>
-        </a:xfrm>
-      </p:grpSpPr>
-      <p:sp>
-        <p:nvSpPr>
-          <p:cNvPr id="2" name="TextBox 1">
-            <a:extLst>
-              <a:ext uri="{FF2B5EF4-FFF2-40B4-BE49-F238E27FC236}">
-                <a16:creationId xmlns:a16="http://schemas.microsoft.com/office/drawing/2014/main" id="{EF431EDF-338B-459C-A0D1-CA610995C1F2}"/>
-              </a:ext>
-            </a:extLst>
-          </p:cNvPr>
-          <p:cNvSpPr txBox="1"/>
-          <p:nvPr/>
-        </p:nvSpPr>
-        <p:spPr>
-          <a:xfrm>
-            <a:off x="5574258" y="2497976"/>
-            <a:ext cx="1043483" cy="1862048"/>
-          </a:xfrm>
-          <a:prstGeom prst="rect">
-            <a:avLst/>
-          </a:prstGeom>
-          <a:noFill/>
-        </p:spPr>
-        <p:txBody>
-          <a:bodyPr wrap="square" rtlCol="0">
-            <a:spAutoFit/>
-          </a:bodyPr>
-          <a:lstStyle/>
-          <a:p>
-            <a:r>
-              <a:rPr lang="en-US" sz="11500" dirty="0">
-                <a:solidFill>
-                  <a:schemeClr val="bg1"/>
-                </a:solidFill>
-                <a:latin typeface="Arial" panose="020B0604020202020204" pitchFamily="34" charset="0"/>
-                <a:cs typeface="Arial" panose="020B0604020202020204" pitchFamily="34" charset="0"/>
-              </a:rPr>
-              <a:t>+</a:t>
-            </a:r>
-          </a:p>
-        </p:txBody>
-      </p:sp>
-    </p:spTree>
-    <p:extLst>
-      <p:ext uri="{BB962C8B-B14F-4D97-AF65-F5344CB8AC3E}">
-        <p14:creationId xmlns:p14="http://schemas.microsoft.com/office/powerpoint/2010/main" val="2264765009"/>
-      </p:ext>
-    </p:extLst>
-  </p:cSld>
-  <p:clrMapOvr>
-    <a:masterClrMapping/>
-  </p:clrMapOvr>
-</p:sld>
-</file>
-
 <file path=ppt/slides/slide13.xml><?xml version="1.0" encoding="utf-8"?>
 <p:sld xmlns:a="http://schemas.openxmlformats.org/drawingml/2006/main" xmlns:r="http://schemas.openxmlformats.org/officeDocument/2006/relationships" xmlns:p="http://schemas.openxmlformats.org/presentationml/2006/main">
   <p:cSld>
@@ -5092,47 +5028,49 @@
       </p:grpSpPr>
       <p:sp>
         <p:nvSpPr>
-          <p:cNvPr id="2" name="標題 1"/>
-          <p:cNvSpPr>
-            <a:spLocks noGrp="1"/>
-          </p:cNvSpPr>
-          <p:nvPr>
-            <p:ph type="title"/>
-          </p:nvPr>
+          <p:cNvPr id="2" name="TextBox 1">
+            <a:extLst>
+              <a:ext uri="{FF2B5EF4-FFF2-40B4-BE49-F238E27FC236}">
+                <a16:creationId xmlns:a16="http://schemas.microsoft.com/office/drawing/2014/main" id="{EF431EDF-338B-459C-A0D1-CA610995C1F2}"/>
+              </a:ext>
+            </a:extLst>
+          </p:cNvPr>
+          <p:cNvSpPr txBox="1"/>
+          <p:nvPr/>
         </p:nvSpPr>
         <p:spPr>
           <a:xfrm>
-            <a:off x="4636499" y="2509837"/>
-            <a:ext cx="3145425" cy="1325563"/>
+            <a:off x="5574258" y="2497976"/>
+            <a:ext cx="1043483" cy="1862048"/>
           </a:xfrm>
+          <a:prstGeom prst="rect">
+            <a:avLst/>
+          </a:prstGeom>
+          <a:noFill/>
         </p:spPr>
         <p:txBody>
-          <a:bodyPr>
-            <a:normAutofit fontScale="90000"/>
+          <a:bodyPr wrap="square" rtlCol="0">
+            <a:spAutoFit/>
           </a:bodyPr>
           <a:lstStyle/>
           <a:p>
-            <a:pPr algn="ctr"/>
-            <a:r>
-              <a:rPr lang="zh-CN" altLang="en-US" sz="6000" dirty="0">
+            <a:r>
+              <a:rPr lang="en-US" sz="11500" dirty="0">
                 <a:solidFill>
                   <a:schemeClr val="bg1"/>
                 </a:solidFill>
+                <a:latin typeface="Arial" panose="020B0604020202020204" pitchFamily="34" charset="0"/>
+                <a:cs typeface="Arial" panose="020B0604020202020204" pitchFamily="34" charset="0"/>
               </a:rPr>
-              <a:t>保持靜止</a:t>
-            </a:r>
-            <a:endParaRPr lang="en-GB" sz="3600" dirty="0">
-              <a:solidFill>
-                <a:schemeClr val="bg1"/>
-              </a:solidFill>
-            </a:endParaRPr>
+              <a:t>+</a:t>
+            </a:r>
           </a:p>
         </p:txBody>
       </p:sp>
     </p:spTree>
     <p:extLst>
       <p:ext uri="{BB962C8B-B14F-4D97-AF65-F5344CB8AC3E}">
-        <p14:creationId xmlns:p14="http://schemas.microsoft.com/office/powerpoint/2010/main" val="3668354782"/>
+        <p14:creationId xmlns:p14="http://schemas.microsoft.com/office/powerpoint/2010/main" val="2264765009"/>
       </p:ext>
     </p:extLst>
   </p:cSld>
@@ -5171,6 +5109,75 @@
         </p:nvSpPr>
         <p:spPr>
           <a:xfrm>
+            <a:off x="4636499" y="2509837"/>
+            <a:ext cx="3145425" cy="1325563"/>
+          </a:xfrm>
+        </p:spPr>
+        <p:txBody>
+          <a:bodyPr>
+            <a:normAutofit fontScale="90000"/>
+          </a:bodyPr>
+          <a:lstStyle/>
+          <a:p>
+            <a:pPr algn="ctr"/>
+            <a:r>
+              <a:rPr lang="zh-CN" altLang="en-US" sz="6000" dirty="0">
+                <a:solidFill>
+                  <a:schemeClr val="bg1"/>
+                </a:solidFill>
+              </a:rPr>
+              <a:t>保持靜止</a:t>
+            </a:r>
+            <a:endParaRPr lang="en-GB" sz="3600" dirty="0">
+              <a:solidFill>
+                <a:schemeClr val="bg1"/>
+              </a:solidFill>
+            </a:endParaRPr>
+          </a:p>
+        </p:txBody>
+      </p:sp>
+    </p:spTree>
+    <p:extLst>
+      <p:ext uri="{BB962C8B-B14F-4D97-AF65-F5344CB8AC3E}">
+        <p14:creationId xmlns:p14="http://schemas.microsoft.com/office/powerpoint/2010/main" val="3668354782"/>
+      </p:ext>
+    </p:extLst>
+  </p:cSld>
+  <p:clrMapOvr>
+    <a:masterClrMapping/>
+  </p:clrMapOvr>
+</p:sld>
+</file>
+
+<file path=ppt/slides/slide15.xml><?xml version="1.0" encoding="utf-8"?>
+<p:sld xmlns:a="http://schemas.openxmlformats.org/drawingml/2006/main" xmlns:r="http://schemas.openxmlformats.org/officeDocument/2006/relationships" xmlns:p="http://schemas.openxmlformats.org/presentationml/2006/main">
+  <p:cSld>
+    <p:spTree>
+      <p:nvGrpSpPr>
+        <p:cNvPr id="1" name=""/>
+        <p:cNvGrpSpPr/>
+        <p:nvPr/>
+      </p:nvGrpSpPr>
+      <p:grpSpPr>
+        <a:xfrm>
+          <a:off x="0" y="0"/>
+          <a:ext cx="0" cy="0"/>
+          <a:chOff x="0" y="0"/>
+          <a:chExt cx="0" cy="0"/>
+        </a:xfrm>
+      </p:grpSpPr>
+      <p:sp>
+        <p:nvSpPr>
+          <p:cNvPr id="2" name="標題 1"/>
+          <p:cNvSpPr>
+            <a:spLocks noGrp="1"/>
+          </p:cNvSpPr>
+          <p:nvPr>
+            <p:ph type="title"/>
+          </p:nvPr>
+        </p:nvSpPr>
+        <p:spPr>
+          <a:xfrm>
             <a:off x="2974479" y="2407937"/>
             <a:ext cx="6243040" cy="1325563"/>
           </a:xfrm>
@@ -5212,6 +5219,235 @@
 </file>
 
 <file path=ppt/slides/slide2.xml><?xml version="1.0" encoding="utf-8"?>
+<p:sld xmlns:a="http://schemas.openxmlformats.org/drawingml/2006/main" xmlns:r="http://schemas.openxmlformats.org/officeDocument/2006/relationships" xmlns:p="http://schemas.openxmlformats.org/presentationml/2006/main">
+  <p:cSld>
+    <p:spTree>
+      <p:nvGrpSpPr>
+        <p:cNvPr id="1" name=""/>
+        <p:cNvGrpSpPr/>
+        <p:nvPr/>
+      </p:nvGrpSpPr>
+      <p:grpSpPr>
+        <a:xfrm>
+          <a:off x="0" y="0"/>
+          <a:ext cx="0" cy="0"/>
+          <a:chOff x="0" y="0"/>
+          <a:chExt cx="0" cy="0"/>
+        </a:xfrm>
+      </p:grpSpPr>
+      <p:sp>
+        <p:nvSpPr>
+          <p:cNvPr id="3" name="TextBox 2">
+            <a:extLst>
+              <a:ext uri="{FF2B5EF4-FFF2-40B4-BE49-F238E27FC236}">
+                <a16:creationId xmlns:a16="http://schemas.microsoft.com/office/drawing/2014/main" id="{35E13D1B-4370-4BFA-8773-A095B4EDA466}"/>
+              </a:ext>
+            </a:extLst>
+          </p:cNvPr>
+          <p:cNvSpPr txBox="1"/>
+          <p:nvPr/>
+        </p:nvSpPr>
+        <p:spPr>
+          <a:xfrm>
+            <a:off x="2972707" y="1161144"/>
+            <a:ext cx="6246586" cy="830997"/>
+          </a:xfrm>
+          <a:prstGeom prst="rect">
+            <a:avLst/>
+          </a:prstGeom>
+          <a:noFill/>
+        </p:spPr>
+        <p:txBody>
+          <a:bodyPr wrap="square" rtlCol="0">
+            <a:spAutoFit/>
+          </a:bodyPr>
+          <a:lstStyle/>
+          <a:p>
+            <a:pPr algn="ctr"/>
+            <a:r>
+              <a:rPr lang="zh-CN" altLang="en-US" sz="4800" b="1" u="sng" dirty="0">
+                <a:solidFill>
+                  <a:schemeClr val="bg1"/>
+                </a:solidFill>
+                <a:latin typeface="Arial" panose="020B0604020202020204" pitchFamily="34" charset="0"/>
+                <a:cs typeface="Arial" panose="020B0604020202020204" pitchFamily="34" charset="0"/>
+              </a:rPr>
+              <a:t>實驗指示</a:t>
+            </a:r>
+            <a:endParaRPr lang="zh-HK" altLang="en-US" sz="4800" b="1" dirty="0">
+              <a:solidFill>
+                <a:schemeClr val="bg1"/>
+              </a:solidFill>
+              <a:latin typeface="Arial" panose="020B0604020202020204" pitchFamily="34" charset="0"/>
+              <a:cs typeface="Arial" panose="020B0604020202020204" pitchFamily="34" charset="0"/>
+            </a:endParaRPr>
+          </a:p>
+        </p:txBody>
+      </p:sp>
+      <p:sp>
+        <p:nvSpPr>
+          <p:cNvPr id="4" name="TextBox 3">
+            <a:extLst>
+              <a:ext uri="{FF2B5EF4-FFF2-40B4-BE49-F238E27FC236}">
+                <a16:creationId xmlns:a16="http://schemas.microsoft.com/office/drawing/2014/main" id="{B3AAC440-C784-4535-88F4-DDA0E3B95E83}"/>
+              </a:ext>
+            </a:extLst>
+          </p:cNvPr>
+          <p:cNvSpPr txBox="1"/>
+          <p:nvPr/>
+        </p:nvSpPr>
+        <p:spPr>
+          <a:xfrm>
+            <a:off x="604837" y="2622425"/>
+            <a:ext cx="10982325" cy="584775"/>
+          </a:xfrm>
+          <a:prstGeom prst="rect">
+            <a:avLst/>
+          </a:prstGeom>
+          <a:noFill/>
+        </p:spPr>
+        <p:txBody>
+          <a:bodyPr wrap="square" rtlCol="0">
+            <a:spAutoFit/>
+          </a:bodyPr>
+          <a:lstStyle/>
+          <a:p>
+            <a:pPr algn="ctr">
+              <a:spcBef>
+                <a:spcPts val="1800"/>
+              </a:spcBef>
+            </a:pPr>
+            <a:r>
+              <a:rPr lang="zh-CN" altLang="en-US" sz="3200" dirty="0">
+                <a:solidFill>
+                  <a:schemeClr val="bg1"/>
+                </a:solidFill>
+              </a:rPr>
+              <a:t>在實驗中，你將會看到兩組指示</a:t>
+            </a:r>
+            <a:endParaRPr lang="en-US" altLang="zh-HK" sz="3200" b="1" dirty="0">
+              <a:solidFill>
+                <a:schemeClr val="accent4">
+                  <a:lumMod val="60000"/>
+                  <a:lumOff val="40000"/>
+                </a:schemeClr>
+              </a:solidFill>
+            </a:endParaRPr>
+          </a:p>
+        </p:txBody>
+      </p:sp>
+      <p:sp>
+        <p:nvSpPr>
+          <p:cNvPr id="5" name="TextBox 4">
+            <a:extLst>
+              <a:ext uri="{FF2B5EF4-FFF2-40B4-BE49-F238E27FC236}">
+                <a16:creationId xmlns:a16="http://schemas.microsoft.com/office/drawing/2014/main" id="{A633C739-BFEC-4132-95AA-F3BA2C0C958B}"/>
+              </a:ext>
+            </a:extLst>
+          </p:cNvPr>
+          <p:cNvSpPr txBox="1"/>
+          <p:nvPr/>
+        </p:nvSpPr>
+        <p:spPr>
+          <a:xfrm>
+            <a:off x="1708313" y="3973170"/>
+            <a:ext cx="3610138" cy="584775"/>
+          </a:xfrm>
+          <a:prstGeom prst="rect">
+            <a:avLst/>
+          </a:prstGeom>
+          <a:noFill/>
+        </p:spPr>
+        <p:txBody>
+          <a:bodyPr wrap="square" rtlCol="0">
+            <a:spAutoFit/>
+          </a:bodyPr>
+          <a:lstStyle/>
+          <a:p>
+            <a:pPr algn="ctr">
+              <a:spcBef>
+                <a:spcPts val="1800"/>
+              </a:spcBef>
+            </a:pPr>
+            <a:r>
+              <a:rPr lang="zh-CN" altLang="en-US" sz="3200" dirty="0">
+                <a:solidFill>
+                  <a:schemeClr val="bg1"/>
+                </a:solidFill>
+              </a:rPr>
+              <a:t>兩項之前</a:t>
+            </a:r>
+            <a:endParaRPr lang="en-HK" altLang="zh-CN" sz="3200" dirty="0">
+              <a:solidFill>
+                <a:schemeClr val="bg1"/>
+              </a:solidFill>
+            </a:endParaRPr>
+          </a:p>
+        </p:txBody>
+      </p:sp>
+      <p:sp>
+        <p:nvSpPr>
+          <p:cNvPr id="7" name="TextBox 6">
+            <a:extLst>
+              <a:ext uri="{FF2B5EF4-FFF2-40B4-BE49-F238E27FC236}">
+                <a16:creationId xmlns:a16="http://schemas.microsoft.com/office/drawing/2014/main" id="{7D486842-673C-4A30-9F4F-1B56A557976E}"/>
+              </a:ext>
+            </a:extLst>
+          </p:cNvPr>
+          <p:cNvSpPr txBox="1"/>
+          <p:nvPr/>
+        </p:nvSpPr>
+        <p:spPr>
+          <a:xfrm>
+            <a:off x="6873549" y="3912234"/>
+            <a:ext cx="3610138" cy="584775"/>
+          </a:xfrm>
+          <a:prstGeom prst="rect">
+            <a:avLst/>
+          </a:prstGeom>
+          <a:noFill/>
+        </p:spPr>
+        <p:txBody>
+          <a:bodyPr wrap="square" rtlCol="0">
+            <a:spAutoFit/>
+          </a:bodyPr>
+          <a:lstStyle/>
+          <a:p>
+            <a:pPr algn="ctr">
+              <a:spcBef>
+                <a:spcPts val="1800"/>
+              </a:spcBef>
+            </a:pPr>
+            <a:r>
+              <a:rPr lang="zh-CN" altLang="en-US" sz="3200" dirty="0">
+                <a:solidFill>
+                  <a:schemeClr val="bg1"/>
+                </a:solidFill>
+              </a:rPr>
+              <a:t>目標</a:t>
+            </a:r>
+            <a:endParaRPr lang="en-HK" altLang="zh-CN" sz="3200" dirty="0">
+              <a:solidFill>
+                <a:schemeClr val="bg1"/>
+              </a:solidFill>
+            </a:endParaRPr>
+          </a:p>
+        </p:txBody>
+      </p:sp>
+    </p:spTree>
+    <p:extLst>
+      <p:ext uri="{BB962C8B-B14F-4D97-AF65-F5344CB8AC3E}">
+        <p14:creationId xmlns:p14="http://schemas.microsoft.com/office/powerpoint/2010/main" val="3975757517"/>
+      </p:ext>
+    </p:extLst>
+  </p:cSld>
+  <p:clrMapOvr>
+    <a:masterClrMapping/>
+  </p:clrMapOvr>
+</p:sld>
+</file>
+
+<file path=ppt/slides/slide3.xml><?xml version="1.0" encoding="utf-8"?>
 <p:sld xmlns:a="http://schemas.openxmlformats.org/drawingml/2006/main" xmlns:r="http://schemas.openxmlformats.org/officeDocument/2006/relationships" xmlns:p="http://schemas.openxmlformats.org/presentationml/2006/main">
   <p:cSld>
     <p:spTree>
@@ -6424,7 +6660,7 @@
 </p:sld>
 </file>
 
-<file path=ppt/slides/slide3.xml><?xml version="1.0" encoding="utf-8"?>
+<file path=ppt/slides/slide4.xml><?xml version="1.0" encoding="utf-8"?>
 <p:sld xmlns:a="http://schemas.openxmlformats.org/drawingml/2006/main" xmlns:r="http://schemas.openxmlformats.org/officeDocument/2006/relationships" xmlns:p="http://schemas.openxmlformats.org/presentationml/2006/main">
   <p:cSld>
     <p:spTree>
@@ -7811,7 +8047,7 @@
 </p:sld>
 </file>
 
-<file path=ppt/slides/slide4.xml><?xml version="1.0" encoding="utf-8"?>
+<file path=ppt/slides/slide5.xml><?xml version="1.0" encoding="utf-8"?>
 <p:sld xmlns:a="http://schemas.openxmlformats.org/drawingml/2006/main" xmlns:r="http://schemas.openxmlformats.org/officeDocument/2006/relationships" xmlns:p="http://schemas.openxmlformats.org/presentationml/2006/main">
   <p:cSld>
     <p:spTree>
@@ -7871,7 +8107,7 @@
 </p:sld>
 </file>
 
-<file path=ppt/slides/slide5.xml><?xml version="1.0" encoding="utf-8"?>
+<file path=ppt/slides/slide6.xml><?xml version="1.0" encoding="utf-8"?>
 <p:sld xmlns:a="http://schemas.openxmlformats.org/drawingml/2006/main" xmlns:r="http://schemas.openxmlformats.org/officeDocument/2006/relationships" xmlns:p="http://schemas.openxmlformats.org/presentationml/2006/main">
   <p:cSld>
     <p:spTree>
@@ -7931,7 +8167,7 @@
 </p:sld>
 </file>
 
-<file path=ppt/slides/slide6.xml><?xml version="1.0" encoding="utf-8"?>
+<file path=ppt/slides/slide7.xml><?xml version="1.0" encoding="utf-8"?>
 <p:sld xmlns:a="http://schemas.openxmlformats.org/drawingml/2006/main" xmlns:r="http://schemas.openxmlformats.org/officeDocument/2006/relationships" xmlns:p="http://schemas.openxmlformats.org/presentationml/2006/main">
   <p:cSld>
     <p:spTree>
@@ -7991,7 +8227,7 @@
 </p:sld>
 </file>
 
-<file path=ppt/slides/slide7.xml><?xml version="1.0" encoding="utf-8"?>
+<file path=ppt/slides/slide8.xml><?xml version="1.0" encoding="utf-8"?>
 <p:sld xmlns:a="http://schemas.openxmlformats.org/drawingml/2006/main" xmlns:r="http://schemas.openxmlformats.org/officeDocument/2006/relationships" xmlns:p="http://schemas.openxmlformats.org/presentationml/2006/main">
   <p:cSld>
     <p:spTree>
@@ -8051,7 +8287,7 @@
 </p:sld>
 </file>
 
-<file path=ppt/slides/slide8.xml><?xml version="1.0" encoding="utf-8"?>
+<file path=ppt/slides/slide9.xml><?xml version="1.0" encoding="utf-8"?>
 <p:sld xmlns:a="http://schemas.openxmlformats.org/drawingml/2006/main" xmlns:r="http://schemas.openxmlformats.org/officeDocument/2006/relationships" xmlns:p="http://schemas.openxmlformats.org/presentationml/2006/main">
   <p:cSld>
     <p:spTree>
@@ -8102,66 +8338,6 @@
     <p:extLst>
       <p:ext uri="{BB962C8B-B14F-4D97-AF65-F5344CB8AC3E}">
         <p14:creationId xmlns:p14="http://schemas.microsoft.com/office/powerpoint/2010/main" val="3265660756"/>
-      </p:ext>
-    </p:extLst>
-  </p:cSld>
-  <p:clrMapOvr>
-    <a:masterClrMapping/>
-  </p:clrMapOvr>
-</p:sld>
-</file>
-
-<file path=ppt/slides/slide9.xml><?xml version="1.0" encoding="utf-8"?>
-<p:sld xmlns:a="http://schemas.openxmlformats.org/drawingml/2006/main" xmlns:r="http://schemas.openxmlformats.org/officeDocument/2006/relationships" xmlns:p="http://schemas.openxmlformats.org/presentationml/2006/main">
-  <p:cSld>
-    <p:spTree>
-      <p:nvGrpSpPr>
-        <p:cNvPr id="1" name=""/>
-        <p:cNvGrpSpPr/>
-        <p:nvPr/>
-      </p:nvGrpSpPr>
-      <p:grpSpPr>
-        <a:xfrm>
-          <a:off x="0" y="0"/>
-          <a:ext cx="0" cy="0"/>
-          <a:chOff x="0" y="0"/>
-          <a:chExt cx="0" cy="0"/>
-        </a:xfrm>
-      </p:grpSpPr>
-      <p:pic>
-        <p:nvPicPr>
-          <p:cNvPr id="3" name="Picture 2">
-            <a:extLst>
-              <a:ext uri="{FF2B5EF4-FFF2-40B4-BE49-F238E27FC236}">
-                <a16:creationId xmlns:a16="http://schemas.microsoft.com/office/drawing/2014/main" id="{6C44C846-B78A-421C-96F2-BECBF513CB90}"/>
-              </a:ext>
-            </a:extLst>
-          </p:cNvPr>
-          <p:cNvPicPr>
-            <a:picLocks noChangeAspect="1"/>
-          </p:cNvPicPr>
-          <p:nvPr/>
-        </p:nvPicPr>
-        <p:blipFill>
-          <a:blip r:embed="rId3"/>
-          <a:stretch>
-            <a:fillRect/>
-          </a:stretch>
-        </p:blipFill>
-        <p:spPr>
-          <a:xfrm>
-            <a:off x="609600" y="0"/>
-            <a:ext cx="10972800" cy="6858000"/>
-          </a:xfrm>
-          <a:prstGeom prst="rect">
-            <a:avLst/>
-          </a:prstGeom>
-        </p:spPr>
-      </p:pic>
-    </p:spTree>
-    <p:extLst>
-      <p:ext uri="{BB962C8B-B14F-4D97-AF65-F5344CB8AC3E}">
-        <p14:creationId xmlns:p14="http://schemas.microsoft.com/office/powerpoint/2010/main" val="3488365099"/>
       </p:ext>
     </p:extLst>
   </p:cSld>
